--- a/Projet 1/DOCUMENT A RENDRE/Présentation projet.pptx
+++ b/Projet 1/DOCUMENT A RENDRE/Présentation projet.pptx
@@ -16,10 +16,11 @@
     <p:sldId id="264" r:id="rId10"/>
     <p:sldId id="265" r:id="rId11"/>
     <p:sldId id="268" r:id="rId12"/>
-    <p:sldId id="266" r:id="rId13"/>
-    <p:sldId id="267" r:id="rId14"/>
-    <p:sldId id="270" r:id="rId15"/>
-    <p:sldId id="269" r:id="rId16"/>
+    <p:sldId id="271" r:id="rId13"/>
+    <p:sldId id="266" r:id="rId14"/>
+    <p:sldId id="267" r:id="rId15"/>
+    <p:sldId id="270" r:id="rId16"/>
+    <p:sldId id="269" r:id="rId17"/>
   </p:sldIdLst>
   <p:sldSz cx="12192000" cy="6858000"/>
   <p:notesSz cx="6858000" cy="9144000"/>
@@ -138,6 +139,7 @@
             <p14:sldId id="264"/>
             <p14:sldId id="265"/>
             <p14:sldId id="268"/>
+            <p14:sldId id="271"/>
           </p14:sldIdLst>
         </p14:section>
         <p14:section name="Investissement" id="{2D2AB790-2C8B-4C6F-B4B2-BE5B0AFAB59C}">
@@ -149,6 +151,9 @@
           </p14:sldIdLst>
         </p14:section>
       </p14:sectionLst>
+    </p:ext>
+    <p:ext uri="{EFAFB233-063F-42B5-8137-9DF3F51BA10A}">
+      <p15:sldGuideLst xmlns:p15="http://schemas.microsoft.com/office/powerpoint/2012/main"/>
     </p:ext>
   </p:extLst>
 </p:presentation>
@@ -211,7 +216,7 @@
           <a:noFill/>
           <a:extLst>
             <a:ext uri="{909E8E84-426E-40dd-AFC4-6F175D3DCCD1}">
-              <a14:hiddenFill xmlns:a14="http://schemas.microsoft.com/office/drawing/2010/main" xmlns="">
+              <a14:hiddenFill xmlns="" xmlns:a14="http://schemas.microsoft.com/office/drawing/2010/main">
                 <a:solidFill>
                   <a:srgbClr val="FFFFFF"/>
                 </a:solidFill>
@@ -270,7 +275,7 @@
             </a:ln>
             <a:extLst>
               <a:ext uri="{91240B29-F687-4f45-9708-019B960494DF}">
-                <a14:hiddenLine xmlns:a14="http://schemas.microsoft.com/office/drawing/2010/main" xmlns="" w="9525">
+                <a14:hiddenLine xmlns="" xmlns:a14="http://schemas.microsoft.com/office/drawing/2010/main" w="9525">
                   <a:solidFill>
                     <a:srgbClr val="000000"/>
                   </a:solidFill>
@@ -360,7 +365,7 @@
             </a:ln>
             <a:extLst>
               <a:ext uri="{91240B29-F687-4f45-9708-019B960494DF}">
-                <a14:hiddenLine xmlns:a14="http://schemas.microsoft.com/office/drawing/2010/main" xmlns="" w="9525">
+                <a14:hiddenLine xmlns="" xmlns:a14="http://schemas.microsoft.com/office/drawing/2010/main" w="9525">
                   <a:solidFill>
                     <a:srgbClr val="000000"/>
                   </a:solidFill>
@@ -450,7 +455,7 @@
             </a:ln>
             <a:extLst>
               <a:ext uri="{91240B29-F687-4f45-9708-019B960494DF}">
-                <a14:hiddenLine xmlns:a14="http://schemas.microsoft.com/office/drawing/2010/main" xmlns="" w="9525">
+                <a14:hiddenLine xmlns="" xmlns:a14="http://schemas.microsoft.com/office/drawing/2010/main" w="9525">
                   <a:solidFill>
                     <a:srgbClr val="000000"/>
                   </a:solidFill>
@@ -484,7 +489,7 @@
             </a:ln>
             <a:extLst>
               <a:ext uri="{91240B29-F687-4f45-9708-019B960494DF}">
-                <a14:hiddenLine xmlns:a14="http://schemas.microsoft.com/office/drawing/2010/main" xmlns="" w="9525">
+                <a14:hiddenLine xmlns="" xmlns:a14="http://schemas.microsoft.com/office/drawing/2010/main" w="9525">
                   <a:solidFill>
                     <a:srgbClr val="000000"/>
                   </a:solidFill>
@@ -574,7 +579,7 @@
             </a:ln>
             <a:extLst>
               <a:ext uri="{91240B29-F687-4f45-9708-019B960494DF}">
-                <a14:hiddenLine xmlns:a14="http://schemas.microsoft.com/office/drawing/2010/main" xmlns="" w="9525">
+                <a14:hiddenLine xmlns="" xmlns:a14="http://schemas.microsoft.com/office/drawing/2010/main" w="9525">
                   <a:solidFill>
                     <a:srgbClr val="000000"/>
                   </a:solidFill>
@@ -636,7 +641,7 @@
             </a:ln>
             <a:extLst>
               <a:ext uri="{91240B29-F687-4f45-9708-019B960494DF}">
-                <a14:hiddenLine xmlns:a14="http://schemas.microsoft.com/office/drawing/2010/main" xmlns="" w="9525">
+                <a14:hiddenLine xmlns="" xmlns:a14="http://schemas.microsoft.com/office/drawing/2010/main" w="9525">
                   <a:solidFill>
                     <a:srgbClr val="000000"/>
                   </a:solidFill>
@@ -698,7 +703,7 @@
             </a:ln>
             <a:extLst>
               <a:ext uri="{91240B29-F687-4f45-9708-019B960494DF}">
-                <a14:hiddenLine xmlns:a14="http://schemas.microsoft.com/office/drawing/2010/main" xmlns="" w="9525">
+                <a14:hiddenLine xmlns="" xmlns:a14="http://schemas.microsoft.com/office/drawing/2010/main" w="9525">
                   <a:solidFill>
                     <a:srgbClr val="000000"/>
                   </a:solidFill>
@@ -788,7 +793,7 @@
             </a:ln>
             <a:extLst>
               <a:ext uri="{91240B29-F687-4f45-9708-019B960494DF}">
-                <a14:hiddenLine xmlns:a14="http://schemas.microsoft.com/office/drawing/2010/main" xmlns="" w="9525">
+                <a14:hiddenLine xmlns="" xmlns:a14="http://schemas.microsoft.com/office/drawing/2010/main" w="9525">
                   <a:solidFill>
                     <a:srgbClr val="000000"/>
                   </a:solidFill>
@@ -850,7 +855,7 @@
             </a:ln>
             <a:extLst>
               <a:ext uri="{91240B29-F687-4f45-9708-019B960494DF}">
-                <a14:hiddenLine xmlns:a14="http://schemas.microsoft.com/office/drawing/2010/main" xmlns="" w="9525">
+                <a14:hiddenLine xmlns="" xmlns:a14="http://schemas.microsoft.com/office/drawing/2010/main" w="9525">
                   <a:solidFill>
                     <a:srgbClr val="000000"/>
                   </a:solidFill>
@@ -912,7 +917,7 @@
             </a:ln>
             <a:extLst>
               <a:ext uri="{91240B29-F687-4f45-9708-019B960494DF}">
-                <a14:hiddenLine xmlns:a14="http://schemas.microsoft.com/office/drawing/2010/main" xmlns="" w="9525">
+                <a14:hiddenLine xmlns="" xmlns:a14="http://schemas.microsoft.com/office/drawing/2010/main" w="9525">
                   <a:solidFill>
                     <a:srgbClr val="000000"/>
                   </a:solidFill>
@@ -1002,7 +1007,7 @@
             </a:ln>
             <a:extLst>
               <a:ext uri="{91240B29-F687-4f45-9708-019B960494DF}">
-                <a14:hiddenLine xmlns:a14="http://schemas.microsoft.com/office/drawing/2010/main" xmlns="" w="9525">
+                <a14:hiddenLine xmlns="" xmlns:a14="http://schemas.microsoft.com/office/drawing/2010/main" w="9525">
                   <a:solidFill>
                     <a:srgbClr val="000000"/>
                   </a:solidFill>
@@ -1092,7 +1097,7 @@
             </a:ln>
             <a:extLst>
               <a:ext uri="{91240B29-F687-4f45-9708-019B960494DF}">
-                <a14:hiddenLine xmlns:a14="http://schemas.microsoft.com/office/drawing/2010/main" xmlns="" w="9525">
+                <a14:hiddenLine xmlns="" xmlns:a14="http://schemas.microsoft.com/office/drawing/2010/main" w="9525">
                   <a:solidFill>
                     <a:srgbClr val="000000"/>
                   </a:solidFill>
@@ -1154,7 +1159,7 @@
             </a:ln>
             <a:extLst>
               <a:ext uri="{91240B29-F687-4f45-9708-019B960494DF}">
-                <a14:hiddenLine xmlns:a14="http://schemas.microsoft.com/office/drawing/2010/main" xmlns="" w="9525">
+                <a14:hiddenLine xmlns="" xmlns:a14="http://schemas.microsoft.com/office/drawing/2010/main" w="9525">
                   <a:solidFill>
                     <a:srgbClr val="000000"/>
                   </a:solidFill>
@@ -1264,7 +1269,7 @@
             </a:ln>
             <a:extLst>
               <a:ext uri="{91240B29-F687-4f45-9708-019B960494DF}">
-                <a14:hiddenLine xmlns:a14="http://schemas.microsoft.com/office/drawing/2010/main" xmlns="" w="9525">
+                <a14:hiddenLine xmlns="" xmlns:a14="http://schemas.microsoft.com/office/drawing/2010/main" w="9525">
                   <a:solidFill>
                     <a:srgbClr val="000000"/>
                   </a:solidFill>
@@ -1326,7 +1331,7 @@
             </a:ln>
             <a:extLst>
               <a:ext uri="{91240B29-F687-4f45-9708-019B960494DF}">
-                <a14:hiddenLine xmlns:a14="http://schemas.microsoft.com/office/drawing/2010/main" xmlns="" w="9525">
+                <a14:hiddenLine xmlns="" xmlns:a14="http://schemas.microsoft.com/office/drawing/2010/main" w="9525">
                   <a:solidFill>
                     <a:srgbClr val="000000"/>
                   </a:solidFill>
@@ -1416,7 +1421,7 @@
             </a:ln>
             <a:extLst>
               <a:ext uri="{91240B29-F687-4f45-9708-019B960494DF}">
-                <a14:hiddenLine xmlns:a14="http://schemas.microsoft.com/office/drawing/2010/main" xmlns="" w="9525">
+                <a14:hiddenLine xmlns="" xmlns:a14="http://schemas.microsoft.com/office/drawing/2010/main" w="9525">
                   <a:solidFill>
                     <a:srgbClr val="000000"/>
                   </a:solidFill>
@@ -1506,7 +1511,7 @@
             </a:ln>
             <a:extLst>
               <a:ext uri="{91240B29-F687-4f45-9708-019B960494DF}">
-                <a14:hiddenLine xmlns:a14="http://schemas.microsoft.com/office/drawing/2010/main" xmlns="" w="9525">
+                <a14:hiddenLine xmlns="" xmlns:a14="http://schemas.microsoft.com/office/drawing/2010/main" w="9525">
                   <a:solidFill>
                     <a:srgbClr val="000000"/>
                   </a:solidFill>
@@ -1568,7 +1573,7 @@
             </a:ln>
             <a:extLst>
               <a:ext uri="{91240B29-F687-4f45-9708-019B960494DF}">
-                <a14:hiddenLine xmlns:a14="http://schemas.microsoft.com/office/drawing/2010/main" xmlns="" w="9525">
+                <a14:hiddenLine xmlns="" xmlns:a14="http://schemas.microsoft.com/office/drawing/2010/main" w="9525">
                   <a:solidFill>
                     <a:srgbClr val="000000"/>
                   </a:solidFill>
@@ -1658,7 +1663,7 @@
             </a:ln>
             <a:extLst>
               <a:ext uri="{91240B29-F687-4f45-9708-019B960494DF}">
-                <a14:hiddenLine xmlns:a14="http://schemas.microsoft.com/office/drawing/2010/main" xmlns="" w="9525">
+                <a14:hiddenLine xmlns="" xmlns:a14="http://schemas.microsoft.com/office/drawing/2010/main" w="9525">
                   <a:solidFill>
                     <a:srgbClr val="000000"/>
                   </a:solidFill>
@@ -1748,7 +1753,7 @@
             </a:ln>
             <a:extLst>
               <a:ext uri="{91240B29-F687-4f45-9708-019B960494DF}">
-                <a14:hiddenLine xmlns:a14="http://schemas.microsoft.com/office/drawing/2010/main" xmlns="" w="9525">
+                <a14:hiddenLine xmlns="" xmlns:a14="http://schemas.microsoft.com/office/drawing/2010/main" w="9525">
                   <a:solidFill>
                     <a:srgbClr val="000000"/>
                   </a:solidFill>
@@ -1804,7 +1809,7 @@
             </a:ln>
             <a:extLst>
               <a:ext uri="{91240B29-F687-4f45-9708-019B960494DF}">
-                <a14:hiddenLine xmlns:a14="http://schemas.microsoft.com/office/drawing/2010/main" xmlns="" w="9525">
+                <a14:hiddenLine xmlns="" xmlns:a14="http://schemas.microsoft.com/office/drawing/2010/main" w="9525">
                   <a:solidFill>
                     <a:srgbClr val="000000"/>
                   </a:solidFill>
@@ -1894,7 +1899,7 @@
             </a:ln>
             <a:extLst>
               <a:ext uri="{91240B29-F687-4f45-9708-019B960494DF}">
-                <a14:hiddenLine xmlns:a14="http://schemas.microsoft.com/office/drawing/2010/main" xmlns="" w="9525">
+                <a14:hiddenLine xmlns="" xmlns:a14="http://schemas.microsoft.com/office/drawing/2010/main" w="9525">
                   <a:solidFill>
                     <a:srgbClr val="000000"/>
                   </a:solidFill>
@@ -1950,7 +1955,7 @@
             </a:ln>
             <a:extLst>
               <a:ext uri="{91240B29-F687-4f45-9708-019B960494DF}">
-                <a14:hiddenLine xmlns:a14="http://schemas.microsoft.com/office/drawing/2010/main" xmlns="" w="9525">
+                <a14:hiddenLine xmlns="" xmlns:a14="http://schemas.microsoft.com/office/drawing/2010/main" w="9525">
                   <a:solidFill>
                     <a:srgbClr val="000000"/>
                   </a:solidFill>
@@ -2040,7 +2045,7 @@
             </a:ln>
             <a:extLst>
               <a:ext uri="{91240B29-F687-4f45-9708-019B960494DF}">
-                <a14:hiddenLine xmlns:a14="http://schemas.microsoft.com/office/drawing/2010/main" xmlns="" w="9525">
+                <a14:hiddenLine xmlns="" xmlns:a14="http://schemas.microsoft.com/office/drawing/2010/main" w="9525">
                   <a:solidFill>
                     <a:srgbClr val="000000"/>
                   </a:solidFill>
@@ -2108,7 +2113,7 @@
             </a:ln>
             <a:extLst>
               <a:ext uri="{91240B29-F687-4f45-9708-019B960494DF}">
-                <a14:hiddenLine xmlns:a14="http://schemas.microsoft.com/office/drawing/2010/main" xmlns="" w="9525">
+                <a14:hiddenLine xmlns="" xmlns:a14="http://schemas.microsoft.com/office/drawing/2010/main" w="9525">
                   <a:solidFill>
                     <a:srgbClr val="000000"/>
                   </a:solidFill>
@@ -2198,7 +2203,7 @@
             </a:ln>
             <a:extLst>
               <a:ext uri="{91240B29-F687-4f45-9708-019B960494DF}">
-                <a14:hiddenLine xmlns:a14="http://schemas.microsoft.com/office/drawing/2010/main" xmlns="" w="9525">
+                <a14:hiddenLine xmlns="" xmlns:a14="http://schemas.microsoft.com/office/drawing/2010/main" w="9525">
                   <a:solidFill>
                     <a:srgbClr val="000000"/>
                   </a:solidFill>
@@ -2266,7 +2271,7 @@
             </a:ln>
             <a:extLst>
               <a:ext uri="{91240B29-F687-4f45-9708-019B960494DF}">
-                <a14:hiddenLine xmlns:a14="http://schemas.microsoft.com/office/drawing/2010/main" xmlns="" w="9525">
+                <a14:hiddenLine xmlns="" xmlns:a14="http://schemas.microsoft.com/office/drawing/2010/main" w="9525">
                   <a:solidFill>
                     <a:srgbClr val="000000"/>
                   </a:solidFill>
@@ -2356,7 +2361,7 @@
             </a:ln>
             <a:extLst>
               <a:ext uri="{91240B29-F687-4f45-9708-019B960494DF}">
-                <a14:hiddenLine xmlns:a14="http://schemas.microsoft.com/office/drawing/2010/main" xmlns="" w="9525">
+                <a14:hiddenLine xmlns="" xmlns:a14="http://schemas.microsoft.com/office/drawing/2010/main" w="9525">
                   <a:solidFill>
                     <a:srgbClr val="000000"/>
                   </a:solidFill>
@@ -2390,7 +2395,7 @@
             </a:ln>
             <a:extLst>
               <a:ext uri="{91240B29-F687-4f45-9708-019B960494DF}">
-                <a14:hiddenLine xmlns:a14="http://schemas.microsoft.com/office/drawing/2010/main" xmlns="" w="9525">
+                <a14:hiddenLine xmlns="" xmlns:a14="http://schemas.microsoft.com/office/drawing/2010/main" w="9525">
                   <a:solidFill>
                     <a:srgbClr val="000000"/>
                   </a:solidFill>
@@ -2480,7 +2485,7 @@
             </a:ln>
             <a:extLst>
               <a:ext uri="{91240B29-F687-4f45-9708-019B960494DF}">
-                <a14:hiddenLine xmlns:a14="http://schemas.microsoft.com/office/drawing/2010/main" xmlns="" w="9525">
+                <a14:hiddenLine xmlns="" xmlns:a14="http://schemas.microsoft.com/office/drawing/2010/main" w="9525">
                   <a:solidFill>
                     <a:srgbClr val="000000"/>
                   </a:solidFill>
@@ -2542,7 +2547,7 @@
             </a:ln>
             <a:extLst>
               <a:ext uri="{91240B29-F687-4f45-9708-019B960494DF}">
-                <a14:hiddenLine xmlns:a14="http://schemas.microsoft.com/office/drawing/2010/main" xmlns="" w="9525">
+                <a14:hiddenLine xmlns="" xmlns:a14="http://schemas.microsoft.com/office/drawing/2010/main" w="9525">
                   <a:solidFill>
                     <a:srgbClr val="000000"/>
                   </a:solidFill>
@@ -2604,7 +2609,7 @@
             </a:ln>
             <a:extLst>
               <a:ext uri="{91240B29-F687-4f45-9708-019B960494DF}">
-                <a14:hiddenLine xmlns:a14="http://schemas.microsoft.com/office/drawing/2010/main" xmlns="" w="9525">
+                <a14:hiddenLine xmlns="" xmlns:a14="http://schemas.microsoft.com/office/drawing/2010/main" w="9525">
                   <a:solidFill>
                     <a:srgbClr val="000000"/>
                   </a:solidFill>
@@ -2694,7 +2699,7 @@
             </a:ln>
             <a:extLst>
               <a:ext uri="{91240B29-F687-4f45-9708-019B960494DF}">
-                <a14:hiddenLine xmlns:a14="http://schemas.microsoft.com/office/drawing/2010/main" xmlns="" w="9525">
+                <a14:hiddenLine xmlns="" xmlns:a14="http://schemas.microsoft.com/office/drawing/2010/main" w="9525">
                   <a:solidFill>
                     <a:srgbClr val="000000"/>
                   </a:solidFill>
@@ -2762,7 +2767,7 @@
             </a:ln>
             <a:extLst>
               <a:ext uri="{91240B29-F687-4f45-9708-019B960494DF}">
-                <a14:hiddenLine xmlns:a14="http://schemas.microsoft.com/office/drawing/2010/main" xmlns="" w="9525">
+                <a14:hiddenLine xmlns="" xmlns:a14="http://schemas.microsoft.com/office/drawing/2010/main" w="9525">
                   <a:solidFill>
                     <a:srgbClr val="000000"/>
                   </a:solidFill>
@@ -2824,7 +2829,7 @@
             </a:ln>
             <a:extLst>
               <a:ext uri="{91240B29-F687-4f45-9708-019B960494DF}">
-                <a14:hiddenLine xmlns:a14="http://schemas.microsoft.com/office/drawing/2010/main" xmlns="" w="9525">
+                <a14:hiddenLine xmlns="" xmlns:a14="http://schemas.microsoft.com/office/drawing/2010/main" w="9525">
                   <a:solidFill>
                     <a:srgbClr val="000000"/>
                   </a:solidFill>
@@ -2914,7 +2919,7 @@
             </a:ln>
             <a:extLst>
               <a:ext uri="{91240B29-F687-4f45-9708-019B960494DF}">
-                <a14:hiddenLine xmlns:a14="http://schemas.microsoft.com/office/drawing/2010/main" xmlns="" w="9525">
+                <a14:hiddenLine xmlns="" xmlns:a14="http://schemas.microsoft.com/office/drawing/2010/main" w="9525">
                   <a:solidFill>
                     <a:srgbClr val="000000"/>
                   </a:solidFill>
@@ -2976,7 +2981,7 @@
             </a:ln>
             <a:extLst>
               <a:ext uri="{91240B29-F687-4f45-9708-019B960494DF}">
-                <a14:hiddenLine xmlns:a14="http://schemas.microsoft.com/office/drawing/2010/main" xmlns="" w="9525">
+                <a14:hiddenLine xmlns="" xmlns:a14="http://schemas.microsoft.com/office/drawing/2010/main" w="9525">
                   <a:solidFill>
                     <a:srgbClr val="000000"/>
                   </a:solidFill>
@@ -3066,7 +3071,7 @@
             </a:ln>
             <a:extLst>
               <a:ext uri="{91240B29-F687-4f45-9708-019B960494DF}">
-                <a14:hiddenLine xmlns:a14="http://schemas.microsoft.com/office/drawing/2010/main" xmlns="" w="9525">
+                <a14:hiddenLine xmlns="" xmlns:a14="http://schemas.microsoft.com/office/drawing/2010/main" w="9525">
                   <a:solidFill>
                     <a:srgbClr val="000000"/>
                   </a:solidFill>
@@ -3128,7 +3133,7 @@
             </a:ln>
             <a:extLst>
               <a:ext uri="{91240B29-F687-4f45-9708-019B960494DF}">
-                <a14:hiddenLine xmlns:a14="http://schemas.microsoft.com/office/drawing/2010/main" xmlns="" w="9525">
+                <a14:hiddenLine xmlns="" xmlns:a14="http://schemas.microsoft.com/office/drawing/2010/main" w="9525">
                   <a:solidFill>
                     <a:srgbClr val="000000"/>
                   </a:solidFill>
@@ -3218,7 +3223,7 @@
             </a:ln>
             <a:extLst>
               <a:ext uri="{91240B29-F687-4f45-9708-019B960494DF}">
-                <a14:hiddenLine xmlns:a14="http://schemas.microsoft.com/office/drawing/2010/main" xmlns="" w="9525">
+                <a14:hiddenLine xmlns="" xmlns:a14="http://schemas.microsoft.com/office/drawing/2010/main" w="9525">
                   <a:solidFill>
                     <a:srgbClr val="000000"/>
                   </a:solidFill>
@@ -3252,7 +3257,7 @@
             </a:ln>
             <a:extLst>
               <a:ext uri="{91240B29-F687-4f45-9708-019B960494DF}">
-                <a14:hiddenLine xmlns:a14="http://schemas.microsoft.com/office/drawing/2010/main" xmlns="" w="9525">
+                <a14:hiddenLine xmlns="" xmlns:a14="http://schemas.microsoft.com/office/drawing/2010/main" w="9525">
                   <a:solidFill>
                     <a:srgbClr val="000000"/>
                   </a:solidFill>
@@ -3317,7 +3322,7 @@
             </a:ln>
             <a:extLst>
               <a:ext uri="{91240B29-F687-4f45-9708-019B960494DF}">
-                <a14:hiddenLine xmlns:a14="http://schemas.microsoft.com/office/drawing/2010/main" xmlns="" w="9525">
+                <a14:hiddenLine xmlns="" xmlns:a14="http://schemas.microsoft.com/office/drawing/2010/main" w="9525">
                   <a:solidFill>
                     <a:srgbClr val="000000"/>
                   </a:solidFill>
@@ -3407,7 +3412,7 @@
             </a:ln>
             <a:extLst>
               <a:ext uri="{91240B29-F687-4f45-9708-019B960494DF}">
-                <a14:hiddenLine xmlns:a14="http://schemas.microsoft.com/office/drawing/2010/main" xmlns="" w="9525">
+                <a14:hiddenLine xmlns="" xmlns:a14="http://schemas.microsoft.com/office/drawing/2010/main" w="9525">
                   <a:solidFill>
                     <a:srgbClr val="000000"/>
                   </a:solidFill>
@@ -3469,7 +3474,7 @@
             </a:ln>
             <a:extLst>
               <a:ext uri="{91240B29-F687-4f45-9708-019B960494DF}">
-                <a14:hiddenLine xmlns:a14="http://schemas.microsoft.com/office/drawing/2010/main" xmlns="" w="9525">
+                <a14:hiddenLine xmlns="" xmlns:a14="http://schemas.microsoft.com/office/drawing/2010/main" w="9525">
                   <a:solidFill>
                     <a:srgbClr val="000000"/>
                   </a:solidFill>
@@ -3559,7 +3564,7 @@
             </a:ln>
             <a:extLst>
               <a:ext uri="{91240B29-F687-4f45-9708-019B960494DF}">
-                <a14:hiddenLine xmlns:a14="http://schemas.microsoft.com/office/drawing/2010/main" xmlns="" w="9525">
+                <a14:hiddenLine xmlns="" xmlns:a14="http://schemas.microsoft.com/office/drawing/2010/main" w="9525">
                   <a:solidFill>
                     <a:srgbClr val="000000"/>
                   </a:solidFill>
@@ -3649,7 +3654,7 @@
             </a:ln>
             <a:extLst>
               <a:ext uri="{91240B29-F687-4f45-9708-019B960494DF}">
-                <a14:hiddenLine xmlns:a14="http://schemas.microsoft.com/office/drawing/2010/main" xmlns="" w="9525">
+                <a14:hiddenLine xmlns="" xmlns:a14="http://schemas.microsoft.com/office/drawing/2010/main" w="9525">
                   <a:solidFill>
                     <a:srgbClr val="000000"/>
                   </a:solidFill>
@@ -3714,7 +3719,7 @@
             </a:ln>
             <a:extLst>
               <a:ext uri="{91240B29-F687-4f45-9708-019B960494DF}">
-                <a14:hiddenLine xmlns:a14="http://schemas.microsoft.com/office/drawing/2010/main" xmlns="" w="9525">
+                <a14:hiddenLine xmlns="" xmlns:a14="http://schemas.microsoft.com/office/drawing/2010/main" w="9525">
                   <a:solidFill>
                     <a:srgbClr val="000000"/>
                   </a:solidFill>
@@ -3776,7 +3781,7 @@
             </a:ln>
             <a:extLst>
               <a:ext uri="{91240B29-F687-4f45-9708-019B960494DF}">
-                <a14:hiddenLine xmlns:a14="http://schemas.microsoft.com/office/drawing/2010/main" xmlns="" w="9525">
+                <a14:hiddenLine xmlns="" xmlns:a14="http://schemas.microsoft.com/office/drawing/2010/main" w="9525">
                   <a:solidFill>
                     <a:srgbClr val="000000"/>
                   </a:solidFill>
@@ -3866,7 +3871,7 @@
             </a:ln>
             <a:extLst>
               <a:ext uri="{91240B29-F687-4f45-9708-019B960494DF}">
-                <a14:hiddenLine xmlns:a14="http://schemas.microsoft.com/office/drawing/2010/main" xmlns="" w="9525">
+                <a14:hiddenLine xmlns="" xmlns:a14="http://schemas.microsoft.com/office/drawing/2010/main" w="9525">
                   <a:solidFill>
                     <a:srgbClr val="000000"/>
                   </a:solidFill>
@@ -3956,7 +3961,7 @@
             </a:ln>
             <a:extLst>
               <a:ext uri="{91240B29-F687-4f45-9708-019B960494DF}">
-                <a14:hiddenLine xmlns:a14="http://schemas.microsoft.com/office/drawing/2010/main" xmlns="" w="9525">
+                <a14:hiddenLine xmlns="" xmlns:a14="http://schemas.microsoft.com/office/drawing/2010/main" w="9525">
                   <a:solidFill>
                     <a:srgbClr val="000000"/>
                   </a:solidFill>
@@ -4018,7 +4023,7 @@
             </a:ln>
             <a:extLst>
               <a:ext uri="{91240B29-F687-4f45-9708-019B960494DF}">
-                <a14:hiddenLine xmlns:a14="http://schemas.microsoft.com/office/drawing/2010/main" xmlns="" w="9525">
+                <a14:hiddenLine xmlns="" xmlns:a14="http://schemas.microsoft.com/office/drawing/2010/main" w="9525">
                   <a:solidFill>
                     <a:srgbClr val="000000"/>
                   </a:solidFill>
@@ -4138,7 +4143,7 @@
             </a:ln>
             <a:extLst>
               <a:ext uri="{91240B29-F687-4f45-9708-019B960494DF}">
-                <a14:hiddenLine xmlns:a14="http://schemas.microsoft.com/office/drawing/2010/main" xmlns="" w="9525">
+                <a14:hiddenLine xmlns="" xmlns:a14="http://schemas.microsoft.com/office/drawing/2010/main" w="9525">
                   <a:solidFill>
                     <a:srgbClr val="000000"/>
                   </a:solidFill>
@@ -4206,7 +4211,7 @@
             </a:ln>
             <a:extLst>
               <a:ext uri="{91240B29-F687-4f45-9708-019B960494DF}">
-                <a14:hiddenLine xmlns:a14="http://schemas.microsoft.com/office/drawing/2010/main" xmlns="" w="9525">
+                <a14:hiddenLine xmlns="" xmlns:a14="http://schemas.microsoft.com/office/drawing/2010/main" w="9525">
                   <a:solidFill>
                     <a:srgbClr val="000000"/>
                   </a:solidFill>
@@ -4296,7 +4301,7 @@
             </a:ln>
             <a:extLst>
               <a:ext uri="{91240B29-F687-4f45-9708-019B960494DF}">
-                <a14:hiddenLine xmlns:a14="http://schemas.microsoft.com/office/drawing/2010/main" xmlns="" w="9525">
+                <a14:hiddenLine xmlns="" xmlns:a14="http://schemas.microsoft.com/office/drawing/2010/main" w="9525">
                   <a:solidFill>
                     <a:srgbClr val="000000"/>
                   </a:solidFill>
@@ -9025,7 +9030,7 @@
           <a:noFill/>
           <a:extLst>
             <a:ext uri="{909E8E84-426E-40dd-AFC4-6F175D3DCCD1}">
-              <a14:hiddenFill xmlns:a14="http://schemas.microsoft.com/office/drawing/2010/main" xmlns="">
+              <a14:hiddenFill xmlns="" xmlns:a14="http://schemas.microsoft.com/office/drawing/2010/main">
                 <a:solidFill>
                   <a:srgbClr val="FFFFFF"/>
                 </a:solidFill>
@@ -9099,7 +9104,7 @@
               </a:ln>
               <a:extLst>
                 <a:ext uri="{91240B29-F687-4f45-9708-019B960494DF}">
-                  <a14:hiddenLine xmlns:a14="http://schemas.microsoft.com/office/drawing/2010/main" xmlns="" w="9525">
+                  <a14:hiddenLine xmlns="" xmlns:a14="http://schemas.microsoft.com/office/drawing/2010/main" w="9525">
                     <a:solidFill>
                       <a:srgbClr val="000000"/>
                     </a:solidFill>
@@ -9189,7 +9194,7 @@
               </a:ln>
               <a:extLst>
                 <a:ext uri="{91240B29-F687-4f45-9708-019B960494DF}">
-                  <a14:hiddenLine xmlns:a14="http://schemas.microsoft.com/office/drawing/2010/main" xmlns="" w="9525">
+                  <a14:hiddenLine xmlns="" xmlns:a14="http://schemas.microsoft.com/office/drawing/2010/main" w="9525">
                     <a:solidFill>
                       <a:srgbClr val="000000"/>
                     </a:solidFill>
@@ -9279,7 +9284,7 @@
               </a:ln>
               <a:extLst>
                 <a:ext uri="{91240B29-F687-4f45-9708-019B960494DF}">
-                  <a14:hiddenLine xmlns:a14="http://schemas.microsoft.com/office/drawing/2010/main" xmlns="" w="9525">
+                  <a14:hiddenLine xmlns="" xmlns:a14="http://schemas.microsoft.com/office/drawing/2010/main" w="9525">
                     <a:solidFill>
                       <a:srgbClr val="000000"/>
                     </a:solidFill>
@@ -9341,7 +9346,7 @@
               </a:ln>
               <a:extLst>
                 <a:ext uri="{91240B29-F687-4f45-9708-019B960494DF}">
-                  <a14:hiddenLine xmlns:a14="http://schemas.microsoft.com/office/drawing/2010/main" xmlns="" w="9525">
+                  <a14:hiddenLine xmlns="" xmlns:a14="http://schemas.microsoft.com/office/drawing/2010/main" w="9525">
                     <a:solidFill>
                       <a:srgbClr val="000000"/>
                     </a:solidFill>
@@ -9431,7 +9436,7 @@
               </a:ln>
               <a:extLst>
                 <a:ext uri="{91240B29-F687-4f45-9708-019B960494DF}">
-                  <a14:hiddenLine xmlns:a14="http://schemas.microsoft.com/office/drawing/2010/main" xmlns="" w="9525">
+                  <a14:hiddenLine xmlns="" xmlns:a14="http://schemas.microsoft.com/office/drawing/2010/main" w="9525">
                     <a:solidFill>
                       <a:srgbClr val="000000"/>
                     </a:solidFill>
@@ -9493,7 +9498,7 @@
               </a:ln>
               <a:extLst>
                 <a:ext uri="{91240B29-F687-4f45-9708-019B960494DF}">
-                  <a14:hiddenLine xmlns:a14="http://schemas.microsoft.com/office/drawing/2010/main" xmlns="" w="9525">
+                  <a14:hiddenLine xmlns="" xmlns:a14="http://schemas.microsoft.com/office/drawing/2010/main" w="9525">
                     <a:solidFill>
                       <a:srgbClr val="000000"/>
                     </a:solidFill>
@@ -9555,7 +9560,7 @@
               </a:ln>
               <a:extLst>
                 <a:ext uri="{91240B29-F687-4f45-9708-019B960494DF}">
-                  <a14:hiddenLine xmlns:a14="http://schemas.microsoft.com/office/drawing/2010/main" xmlns="" w="9525">
+                  <a14:hiddenLine xmlns="" xmlns:a14="http://schemas.microsoft.com/office/drawing/2010/main" w="9525">
                     <a:solidFill>
                       <a:srgbClr val="000000"/>
                     </a:solidFill>
@@ -9645,7 +9650,7 @@
               </a:ln>
               <a:extLst>
                 <a:ext uri="{91240B29-F687-4f45-9708-019B960494DF}">
-                  <a14:hiddenLine xmlns:a14="http://schemas.microsoft.com/office/drawing/2010/main" xmlns="" w="9525">
+                  <a14:hiddenLine xmlns="" xmlns:a14="http://schemas.microsoft.com/office/drawing/2010/main" w="9525">
                     <a:solidFill>
                       <a:srgbClr val="000000"/>
                     </a:solidFill>
@@ -9735,7 +9740,7 @@
               </a:ln>
               <a:extLst>
                 <a:ext uri="{91240B29-F687-4f45-9708-019B960494DF}">
-                  <a14:hiddenLine xmlns:a14="http://schemas.microsoft.com/office/drawing/2010/main" xmlns="" w="9525">
+                  <a14:hiddenLine xmlns="" xmlns:a14="http://schemas.microsoft.com/office/drawing/2010/main" w="9525">
                     <a:solidFill>
                       <a:srgbClr val="000000"/>
                     </a:solidFill>
@@ -9797,7 +9802,7 @@
               </a:ln>
               <a:extLst>
                 <a:ext uri="{91240B29-F687-4f45-9708-019B960494DF}">
-                  <a14:hiddenLine xmlns:a14="http://schemas.microsoft.com/office/drawing/2010/main" xmlns="" w="9525">
+                  <a14:hiddenLine xmlns="" xmlns:a14="http://schemas.microsoft.com/office/drawing/2010/main" w="9525">
                     <a:solidFill>
                       <a:srgbClr val="000000"/>
                     </a:solidFill>
@@ -9907,7 +9912,7 @@
               </a:ln>
               <a:extLst>
                 <a:ext uri="{91240B29-F687-4f45-9708-019B960494DF}">
-                  <a14:hiddenLine xmlns:a14="http://schemas.microsoft.com/office/drawing/2010/main" xmlns="" w="9525">
+                  <a14:hiddenLine xmlns="" xmlns:a14="http://schemas.microsoft.com/office/drawing/2010/main" w="9525">
                     <a:solidFill>
                       <a:srgbClr val="000000"/>
                     </a:solidFill>
@@ -9991,7 +9996,7 @@
               </a:ln>
               <a:extLst>
                 <a:ext uri="{91240B29-F687-4f45-9708-019B960494DF}">
-                  <a14:hiddenLine xmlns:a14="http://schemas.microsoft.com/office/drawing/2010/main" xmlns="" w="9525">
+                  <a14:hiddenLine xmlns="" xmlns:a14="http://schemas.microsoft.com/office/drawing/2010/main" w="9525">
                     <a:solidFill>
                       <a:srgbClr val="000000"/>
                     </a:solidFill>
@@ -10053,7 +10058,7 @@
               </a:ln>
               <a:extLst>
                 <a:ext uri="{91240B29-F687-4f45-9708-019B960494DF}">
-                  <a14:hiddenLine xmlns:a14="http://schemas.microsoft.com/office/drawing/2010/main" xmlns="" w="9525">
+                  <a14:hiddenLine xmlns="" xmlns:a14="http://schemas.microsoft.com/office/drawing/2010/main" w="9525">
                     <a:solidFill>
                       <a:srgbClr val="000000"/>
                     </a:solidFill>
@@ -10115,7 +10120,7 @@
               </a:ln>
               <a:extLst>
                 <a:ext uri="{91240B29-F687-4f45-9708-019B960494DF}">
-                  <a14:hiddenLine xmlns:a14="http://schemas.microsoft.com/office/drawing/2010/main" xmlns="" w="9525">
+                  <a14:hiddenLine xmlns="" xmlns:a14="http://schemas.microsoft.com/office/drawing/2010/main" w="9525">
                     <a:solidFill>
                       <a:srgbClr val="000000"/>
                     </a:solidFill>
@@ -10205,7 +10210,7 @@
               </a:ln>
               <a:extLst>
                 <a:ext uri="{91240B29-F687-4f45-9708-019B960494DF}">
-                  <a14:hiddenLine xmlns:a14="http://schemas.microsoft.com/office/drawing/2010/main" xmlns="" w="9525">
+                  <a14:hiddenLine xmlns="" xmlns:a14="http://schemas.microsoft.com/office/drawing/2010/main" w="9525">
                     <a:solidFill>
                       <a:srgbClr val="000000"/>
                     </a:solidFill>
@@ -10239,7 +10244,7 @@
               </a:ln>
               <a:extLst>
                 <a:ext uri="{91240B29-F687-4f45-9708-019B960494DF}">
-                  <a14:hiddenLine xmlns:a14="http://schemas.microsoft.com/office/drawing/2010/main" xmlns="" w="9525">
+                  <a14:hiddenLine xmlns="" xmlns:a14="http://schemas.microsoft.com/office/drawing/2010/main" w="9525">
                     <a:solidFill>
                       <a:srgbClr val="000000"/>
                     </a:solidFill>
@@ -10304,7 +10309,7 @@
               </a:ln>
               <a:extLst>
                 <a:ext uri="{91240B29-F687-4f45-9708-019B960494DF}">
-                  <a14:hiddenLine xmlns:a14="http://schemas.microsoft.com/office/drawing/2010/main" xmlns="" w="9525">
+                  <a14:hiddenLine xmlns="" xmlns:a14="http://schemas.microsoft.com/office/drawing/2010/main" w="9525">
                     <a:solidFill>
                       <a:srgbClr val="000000"/>
                     </a:solidFill>
@@ -10394,7 +10399,7 @@
               </a:ln>
               <a:extLst>
                 <a:ext uri="{91240B29-F687-4f45-9708-019B960494DF}">
-                  <a14:hiddenLine xmlns:a14="http://schemas.microsoft.com/office/drawing/2010/main" xmlns="" w="9525">
+                  <a14:hiddenLine xmlns="" xmlns:a14="http://schemas.microsoft.com/office/drawing/2010/main" w="9525">
                     <a:solidFill>
                       <a:srgbClr val="000000"/>
                     </a:solidFill>
@@ -10456,7 +10461,7 @@
               </a:ln>
               <a:extLst>
                 <a:ext uri="{91240B29-F687-4f45-9708-019B960494DF}">
-                  <a14:hiddenLine xmlns:a14="http://schemas.microsoft.com/office/drawing/2010/main" xmlns="" w="9525">
+                  <a14:hiddenLine xmlns="" xmlns:a14="http://schemas.microsoft.com/office/drawing/2010/main" w="9525">
                     <a:solidFill>
                       <a:srgbClr val="000000"/>
                     </a:solidFill>
@@ -10546,7 +10551,7 @@
               </a:ln>
               <a:extLst>
                 <a:ext uri="{91240B29-F687-4f45-9708-019B960494DF}">
-                  <a14:hiddenLine xmlns:a14="http://schemas.microsoft.com/office/drawing/2010/main" xmlns="" w="9525">
+                  <a14:hiddenLine xmlns="" xmlns:a14="http://schemas.microsoft.com/office/drawing/2010/main" w="9525">
                     <a:solidFill>
                       <a:srgbClr val="000000"/>
                     </a:solidFill>
@@ -10611,7 +10616,7 @@
               </a:ln>
               <a:extLst>
                 <a:ext uri="{91240B29-F687-4f45-9708-019B960494DF}">
-                  <a14:hiddenLine xmlns:a14="http://schemas.microsoft.com/office/drawing/2010/main" xmlns="" w="9525">
+                  <a14:hiddenLine xmlns="" xmlns:a14="http://schemas.microsoft.com/office/drawing/2010/main" w="9525">
                     <a:solidFill>
                       <a:srgbClr val="000000"/>
                     </a:solidFill>
@@ -10673,7 +10678,7 @@
               </a:ln>
               <a:extLst>
                 <a:ext uri="{91240B29-F687-4f45-9708-019B960494DF}">
-                  <a14:hiddenLine xmlns:a14="http://schemas.microsoft.com/office/drawing/2010/main" xmlns="" w="9525">
+                  <a14:hiddenLine xmlns="" xmlns:a14="http://schemas.microsoft.com/office/drawing/2010/main" w="9525">
                     <a:solidFill>
                       <a:srgbClr val="000000"/>
                     </a:solidFill>
@@ -10763,7 +10768,7 @@
               </a:ln>
               <a:extLst>
                 <a:ext uri="{91240B29-F687-4f45-9708-019B960494DF}">
-                  <a14:hiddenLine xmlns:a14="http://schemas.microsoft.com/office/drawing/2010/main" xmlns="" w="9525">
+                  <a14:hiddenLine xmlns="" xmlns:a14="http://schemas.microsoft.com/office/drawing/2010/main" w="9525">
                     <a:solidFill>
                       <a:srgbClr val="000000"/>
                     </a:solidFill>
@@ -10853,7 +10858,7 @@
               </a:ln>
               <a:extLst>
                 <a:ext uri="{91240B29-F687-4f45-9708-019B960494DF}">
-                  <a14:hiddenLine xmlns:a14="http://schemas.microsoft.com/office/drawing/2010/main" xmlns="" w="9525">
+                  <a14:hiddenLine xmlns="" xmlns:a14="http://schemas.microsoft.com/office/drawing/2010/main" w="9525">
                     <a:solidFill>
                       <a:srgbClr val="000000"/>
                     </a:solidFill>
@@ -10918,7 +10923,7 @@
               </a:ln>
               <a:extLst>
                 <a:ext uri="{91240B29-F687-4f45-9708-019B960494DF}">
-                  <a14:hiddenLine xmlns:a14="http://schemas.microsoft.com/office/drawing/2010/main" xmlns="" w="9525">
+                  <a14:hiddenLine xmlns="" xmlns:a14="http://schemas.microsoft.com/office/drawing/2010/main" w="9525">
                     <a:solidFill>
                       <a:srgbClr val="000000"/>
                     </a:solidFill>
@@ -11038,7 +11043,7 @@
               </a:ln>
               <a:extLst>
                 <a:ext uri="{91240B29-F687-4f45-9708-019B960494DF}">
-                  <a14:hiddenLine xmlns:a14="http://schemas.microsoft.com/office/drawing/2010/main" xmlns="" w="9525">
+                  <a14:hiddenLine xmlns="" xmlns:a14="http://schemas.microsoft.com/office/drawing/2010/main" w="9525">
                     <a:solidFill>
                       <a:srgbClr val="000000"/>
                     </a:solidFill>
@@ -11119,7 +11124,7 @@
               </a:ln>
               <a:extLst>
                 <a:ext uri="{91240B29-F687-4f45-9708-019B960494DF}">
-                  <a14:hiddenLine xmlns:a14="http://schemas.microsoft.com/office/drawing/2010/main" xmlns="" w="9525">
+                  <a14:hiddenLine xmlns="" xmlns:a14="http://schemas.microsoft.com/office/drawing/2010/main" w="9525">
                     <a:solidFill>
                       <a:srgbClr val="000000"/>
                     </a:solidFill>
@@ -11234,7 +11239,7 @@
               </a:ln>
               <a:extLst>
                 <a:ext uri="{91240B29-F687-4f45-9708-019B960494DF}">
-                  <a14:hiddenLine xmlns:a14="http://schemas.microsoft.com/office/drawing/2010/main" xmlns="" w="9525">
+                  <a14:hiddenLine xmlns="" xmlns:a14="http://schemas.microsoft.com/office/drawing/2010/main" w="9525">
                     <a:solidFill>
                       <a:srgbClr val="000000"/>
                     </a:solidFill>
@@ -11324,7 +11329,7 @@
               </a:ln>
               <a:extLst>
                 <a:ext uri="{91240B29-F687-4f45-9708-019B960494DF}">
-                  <a14:hiddenLine xmlns:a14="http://schemas.microsoft.com/office/drawing/2010/main" xmlns="" w="9525">
+                  <a14:hiddenLine xmlns="" xmlns:a14="http://schemas.microsoft.com/office/drawing/2010/main" w="9525">
                     <a:solidFill>
                       <a:srgbClr val="000000"/>
                     </a:solidFill>
@@ -11389,7 +11394,7 @@
               </a:ln>
               <a:extLst>
                 <a:ext uri="{91240B29-F687-4f45-9708-019B960494DF}">
-                  <a14:hiddenLine xmlns:a14="http://schemas.microsoft.com/office/drawing/2010/main" xmlns="" w="9525">
+                  <a14:hiddenLine xmlns="" xmlns:a14="http://schemas.microsoft.com/office/drawing/2010/main" w="9525">
                     <a:solidFill>
                       <a:srgbClr val="000000"/>
                     </a:solidFill>
@@ -11479,7 +11484,7 @@
               </a:ln>
               <a:extLst>
                 <a:ext uri="{91240B29-F687-4f45-9708-019B960494DF}">
-                  <a14:hiddenLine xmlns:a14="http://schemas.microsoft.com/office/drawing/2010/main" xmlns="" w="9525">
+                  <a14:hiddenLine xmlns="" xmlns:a14="http://schemas.microsoft.com/office/drawing/2010/main" w="9525">
                     <a:solidFill>
                       <a:srgbClr val="000000"/>
                     </a:solidFill>
@@ -11547,7 +11552,7 @@
               </a:ln>
               <a:extLst>
                 <a:ext uri="{91240B29-F687-4f45-9708-019B960494DF}">
-                  <a14:hiddenLine xmlns:a14="http://schemas.microsoft.com/office/drawing/2010/main" xmlns="" w="9525">
+                  <a14:hiddenLine xmlns="" xmlns:a14="http://schemas.microsoft.com/office/drawing/2010/main" w="9525">
                     <a:solidFill>
                       <a:srgbClr val="000000"/>
                     </a:solidFill>
@@ -11637,7 +11642,7 @@
               </a:ln>
               <a:extLst>
                 <a:ext uri="{91240B29-F687-4f45-9708-019B960494DF}">
-                  <a14:hiddenLine xmlns:a14="http://schemas.microsoft.com/office/drawing/2010/main" xmlns="" w="9525">
+                  <a14:hiddenLine xmlns="" xmlns:a14="http://schemas.microsoft.com/office/drawing/2010/main" w="9525">
                     <a:solidFill>
                       <a:srgbClr val="000000"/>
                     </a:solidFill>
@@ -11705,7 +11710,7 @@
               </a:ln>
               <a:extLst>
                 <a:ext uri="{91240B29-F687-4f45-9708-019B960494DF}">
-                  <a14:hiddenLine xmlns:a14="http://schemas.microsoft.com/office/drawing/2010/main" xmlns="" w="9525">
+                  <a14:hiddenLine xmlns="" xmlns:a14="http://schemas.microsoft.com/office/drawing/2010/main" w="9525">
                     <a:solidFill>
                       <a:srgbClr val="000000"/>
                     </a:solidFill>
@@ -11795,7 +11800,7 @@
               </a:ln>
               <a:extLst>
                 <a:ext uri="{91240B29-F687-4f45-9708-019B960494DF}">
-                  <a14:hiddenLine xmlns:a14="http://schemas.microsoft.com/office/drawing/2010/main" xmlns="" w="9525">
+                  <a14:hiddenLine xmlns="" xmlns:a14="http://schemas.microsoft.com/office/drawing/2010/main" w="9525">
                     <a:solidFill>
                       <a:srgbClr val="000000"/>
                     </a:solidFill>
@@ -11829,7 +11834,7 @@
               </a:ln>
               <a:extLst>
                 <a:ext uri="{91240B29-F687-4f45-9708-019B960494DF}">
-                  <a14:hiddenLine xmlns:a14="http://schemas.microsoft.com/office/drawing/2010/main" xmlns="" w="9525">
+                  <a14:hiddenLine xmlns="" xmlns:a14="http://schemas.microsoft.com/office/drawing/2010/main" w="9525">
                     <a:solidFill>
                       <a:srgbClr val="000000"/>
                     </a:solidFill>
@@ -12738,6 +12743,104 @@
           <a:p>
             <a:pPr algn="ctr"/>
             <a:r>
+              <a:rPr lang="fr-CH" cap="none" dirty="0" smtClean="0"/>
+              <a:t>Support VIP 4 ans</a:t>
+            </a:r>
+            <a:endParaRPr lang="fr-CH" cap="none" dirty="0"/>
+          </a:p>
+        </p:txBody>
+      </p:sp>
+      <p:sp>
+        <p:nvSpPr>
+          <p:cNvPr id="3" name="Espace réservé du contenu 2"/>
+          <p:cNvSpPr>
+            <a:spLocks noGrp="1"/>
+          </p:cNvSpPr>
+          <p:nvPr>
+            <p:ph idx="1"/>
+          </p:nvPr>
+        </p:nvSpPr>
+        <p:spPr/>
+        <p:txBody>
+          <a:bodyPr/>
+          <a:lstStyle/>
+          <a:p>
+            <a:r>
+              <a:rPr lang="fr-CH" dirty="0" smtClean="0"/>
+              <a:t>Nous vous proposons 4 ans de support en prix réduit</a:t>
+            </a:r>
+          </a:p>
+          <a:p>
+            <a:pPr lvl="1"/>
+            <a:r>
+              <a:rPr lang="fr-CH" dirty="0" smtClean="0"/>
+              <a:t>4 heures de support par mois non cumulables</a:t>
+            </a:r>
+          </a:p>
+          <a:p>
+            <a:pPr lvl="1"/>
+            <a:r>
+              <a:rPr lang="fr-CH" dirty="0" smtClean="0"/>
+              <a:t>Mises à jours des serveurs incluses </a:t>
+            </a:r>
+          </a:p>
+          <a:p>
+            <a:pPr lvl="1"/>
+            <a:r>
+              <a:rPr lang="fr-CH" dirty="0" smtClean="0"/>
+              <a:t>Délais d’intervention prioritaire</a:t>
+            </a:r>
+            <a:endParaRPr lang="fr-CH" dirty="0"/>
+          </a:p>
+        </p:txBody>
+      </p:sp>
+    </p:spTree>
+    <p:extLst>
+      <p:ext uri="{BB962C8B-B14F-4D97-AF65-F5344CB8AC3E}">
+        <p14:creationId xmlns:p14="http://schemas.microsoft.com/office/powerpoint/2010/main" val="4228893894"/>
+      </p:ext>
+    </p:extLst>
+  </p:cSld>
+  <p:clrMapOvr>
+    <a:masterClrMapping/>
+  </p:clrMapOvr>
+</p:sld>
+</file>
+
+<file path=ppt/slides/slide13.xml><?xml version="1.0" encoding="utf-8"?>
+<p:sld xmlns:a="http://schemas.openxmlformats.org/drawingml/2006/main" xmlns:r="http://schemas.openxmlformats.org/officeDocument/2006/relationships" xmlns:p="http://schemas.openxmlformats.org/presentationml/2006/main">
+  <p:cSld>
+    <p:spTree>
+      <p:nvGrpSpPr>
+        <p:cNvPr id="1" name=""/>
+        <p:cNvGrpSpPr/>
+        <p:nvPr/>
+      </p:nvGrpSpPr>
+      <p:grpSpPr>
+        <a:xfrm>
+          <a:off x="0" y="0"/>
+          <a:ext cx="0" cy="0"/>
+          <a:chOff x="0" y="0"/>
+          <a:chExt cx="0" cy="0"/>
+        </a:xfrm>
+      </p:grpSpPr>
+      <p:sp>
+        <p:nvSpPr>
+          <p:cNvPr id="2" name="Titre 1"/>
+          <p:cNvSpPr>
+            <a:spLocks noGrp="1"/>
+          </p:cNvSpPr>
+          <p:nvPr>
+            <p:ph type="title"/>
+          </p:nvPr>
+        </p:nvSpPr>
+        <p:spPr/>
+        <p:txBody>
+          <a:bodyPr/>
+          <a:lstStyle/>
+          <a:p>
+            <a:pPr algn="ctr"/>
+            <a:r>
               <a:rPr lang="fr-CH" b="1" cap="none" dirty="0" smtClean="0"/>
               <a:t>Investissement</a:t>
             </a:r>
@@ -12791,7 +12894,7 @@
 </p:sld>
 </file>
 
-<file path=ppt/slides/slide13.xml><?xml version="1.0" encoding="utf-8"?>
+<file path=ppt/slides/slide14.xml><?xml version="1.0" encoding="utf-8"?>
 <p:sld xmlns:a="http://schemas.openxmlformats.org/drawingml/2006/main" xmlns:r="http://schemas.openxmlformats.org/officeDocument/2006/relationships" xmlns:p="http://schemas.openxmlformats.org/presentationml/2006/main">
   <p:cSld>
     <p:spTree>
@@ -12878,7 +12981,7 @@
 </p:sld>
 </file>
 
-<file path=ppt/slides/slide14.xml><?xml version="1.0" encoding="utf-8"?>
+<file path=ppt/slides/slide15.xml><?xml version="1.0" encoding="utf-8"?>
 <p:sld xmlns:a="http://schemas.openxmlformats.org/drawingml/2006/main" xmlns:r="http://schemas.openxmlformats.org/officeDocument/2006/relationships" xmlns:p="http://schemas.openxmlformats.org/presentationml/2006/main">
   <p:cSld>
     <p:spTree>
@@ -12983,7 +13086,7 @@
 </p:sld>
 </file>
 
-<file path=ppt/slides/slide15.xml><?xml version="1.0" encoding="utf-8"?>
+<file path=ppt/slides/slide16.xml><?xml version="1.0" encoding="utf-8"?>
 <p:sld xmlns:a="http://schemas.openxmlformats.org/drawingml/2006/main" xmlns:r="http://schemas.openxmlformats.org/officeDocument/2006/relationships" xmlns:p="http://schemas.openxmlformats.org/presentationml/2006/main">
   <p:cSld>
     <p:spTree>
@@ -13888,11 +13991,7 @@
             </a:r>
             <a:r>
               <a:rPr lang="en-US" dirty="0"/>
-              <a:t>Synology DS216play WD red 6tb</a:t>
-            </a:r>
-            <a:r>
-              <a:rPr lang="en-US" dirty="0"/>
-              <a:t> </a:t>
+              <a:t>Synology DS216play WD red 6tb </a:t>
             </a:r>
             <a:endParaRPr lang="en-US" dirty="0" smtClean="0"/>
           </a:p>
